--- a/Session 8/Session 8.pptx
+++ b/Session 8/Session 8.pptx
@@ -9,13 +9,21 @@
     <p:sldId id="257" r:id="rId3"/>
     <p:sldId id="258" r:id="rId4"/>
     <p:sldId id="259" r:id="rId5"/>
-    <p:sldId id="260" r:id="rId6"/>
+    <p:sldId id="267" r:id="rId6"/>
     <p:sldId id="261" r:id="rId7"/>
-    <p:sldId id="262" r:id="rId8"/>
-    <p:sldId id="263" r:id="rId9"/>
-    <p:sldId id="264" r:id="rId10"/>
-    <p:sldId id="265" r:id="rId11"/>
-    <p:sldId id="266" r:id="rId12"/>
+    <p:sldId id="270" r:id="rId8"/>
+    <p:sldId id="266" r:id="rId9"/>
+    <p:sldId id="268" r:id="rId10"/>
+    <p:sldId id="269" r:id="rId11"/>
+    <p:sldId id="271" r:id="rId12"/>
+    <p:sldId id="273" r:id="rId13"/>
+    <p:sldId id="272" r:id="rId14"/>
+    <p:sldId id="274" r:id="rId15"/>
+    <p:sldId id="275" r:id="rId16"/>
+    <p:sldId id="276" r:id="rId17"/>
+    <p:sldId id="277" r:id="rId18"/>
+    <p:sldId id="278" r:id="rId19"/>
+    <p:sldId id="279" r:id="rId20"/>
   </p:sldIdLst>
   <p:sldSz cx="12192000" cy="6858000"/>
   <p:notesSz cx="6858000" cy="9144000"/>
@@ -114,6 +122,11 @@
       </a:defRPr>
     </a:lvl9pPr>
   </p:defaultTextStyle>
+  <p:extLst>
+    <p:ext uri="{EFAFB233-063F-42B5-8137-9DF3F51BA10A}">
+      <p15:sldGuideLst xmlns:p15="http://schemas.microsoft.com/office/powerpoint/2012/main"/>
+    </p:ext>
+  </p:extLst>
 </p:presentation>
 </file>
 
@@ -266,7 +279,7 @@
           <a:p>
             <a:fld id="{AF280102-59E1-44C4-9F04-4E0C86877080}" type="datetimeFigureOut">
               <a:rPr lang="en-GB" smtClean="0"/>
-              <a:t>09/10/2020</a:t>
+              <a:t>21/10/2020</a:t>
             </a:fld>
             <a:endParaRPr lang="en-GB"/>
           </a:p>
@@ -466,7 +479,7 @@
           <a:p>
             <a:fld id="{AF280102-59E1-44C4-9F04-4E0C86877080}" type="datetimeFigureOut">
               <a:rPr lang="en-GB" smtClean="0"/>
-              <a:t>09/10/2020</a:t>
+              <a:t>21/10/2020</a:t>
             </a:fld>
             <a:endParaRPr lang="en-GB"/>
           </a:p>
@@ -676,7 +689,7 @@
           <a:p>
             <a:fld id="{AF280102-59E1-44C4-9F04-4E0C86877080}" type="datetimeFigureOut">
               <a:rPr lang="en-GB" smtClean="0"/>
-              <a:t>09/10/2020</a:t>
+              <a:t>21/10/2020</a:t>
             </a:fld>
             <a:endParaRPr lang="en-GB"/>
           </a:p>
@@ -876,7 +889,7 @@
           <a:p>
             <a:fld id="{AF280102-59E1-44C4-9F04-4E0C86877080}" type="datetimeFigureOut">
               <a:rPr lang="en-GB" smtClean="0"/>
-              <a:t>09/10/2020</a:t>
+              <a:t>21/10/2020</a:t>
             </a:fld>
             <a:endParaRPr lang="en-GB"/>
           </a:p>
@@ -1152,7 +1165,7 @@
           <a:p>
             <a:fld id="{AF280102-59E1-44C4-9F04-4E0C86877080}" type="datetimeFigureOut">
               <a:rPr lang="en-GB" smtClean="0"/>
-              <a:t>09/10/2020</a:t>
+              <a:t>21/10/2020</a:t>
             </a:fld>
             <a:endParaRPr lang="en-GB"/>
           </a:p>
@@ -1420,7 +1433,7 @@
           <a:p>
             <a:fld id="{AF280102-59E1-44C4-9F04-4E0C86877080}" type="datetimeFigureOut">
               <a:rPr lang="en-GB" smtClean="0"/>
-              <a:t>09/10/2020</a:t>
+              <a:t>21/10/2020</a:t>
             </a:fld>
             <a:endParaRPr lang="en-GB"/>
           </a:p>
@@ -1835,7 +1848,7 @@
           <a:p>
             <a:fld id="{AF280102-59E1-44C4-9F04-4E0C86877080}" type="datetimeFigureOut">
               <a:rPr lang="en-GB" smtClean="0"/>
-              <a:t>09/10/2020</a:t>
+              <a:t>21/10/2020</a:t>
             </a:fld>
             <a:endParaRPr lang="en-GB"/>
           </a:p>
@@ -1977,7 +1990,7 @@
           <a:p>
             <a:fld id="{AF280102-59E1-44C4-9F04-4E0C86877080}" type="datetimeFigureOut">
               <a:rPr lang="en-GB" smtClean="0"/>
-              <a:t>09/10/2020</a:t>
+              <a:t>21/10/2020</a:t>
             </a:fld>
             <a:endParaRPr lang="en-GB"/>
           </a:p>
@@ -2090,7 +2103,7 @@
           <a:p>
             <a:fld id="{AF280102-59E1-44C4-9F04-4E0C86877080}" type="datetimeFigureOut">
               <a:rPr lang="en-GB" smtClean="0"/>
-              <a:t>09/10/2020</a:t>
+              <a:t>21/10/2020</a:t>
             </a:fld>
             <a:endParaRPr lang="en-GB"/>
           </a:p>
@@ -2403,7 +2416,7 @@
           <a:p>
             <a:fld id="{AF280102-59E1-44C4-9F04-4E0C86877080}" type="datetimeFigureOut">
               <a:rPr lang="en-GB" smtClean="0"/>
-              <a:t>09/10/2020</a:t>
+              <a:t>21/10/2020</a:t>
             </a:fld>
             <a:endParaRPr lang="en-GB"/>
           </a:p>
@@ -2692,7 +2705,7 @@
           <a:p>
             <a:fld id="{AF280102-59E1-44C4-9F04-4E0C86877080}" type="datetimeFigureOut">
               <a:rPr lang="en-GB" smtClean="0"/>
-              <a:t>09/10/2020</a:t>
+              <a:t>21/10/2020</a:t>
             </a:fld>
             <a:endParaRPr lang="en-GB"/>
           </a:p>
@@ -2935,7 +2948,7 @@
           <a:p>
             <a:fld id="{AF280102-59E1-44C4-9F04-4E0C86877080}" type="datetimeFigureOut">
               <a:rPr lang="en-GB" smtClean="0"/>
-              <a:t>09/10/2020</a:t>
+              <a:t>21/10/2020</a:t>
             </a:fld>
             <a:endParaRPr lang="en-GB"/>
           </a:p>
@@ -3443,7 +3456,7 @@
           <p:cNvPr id="2" name="Title 1">
             <a:extLst>
               <a:ext uri="{FF2B5EF4-FFF2-40B4-BE49-F238E27FC236}">
-                <a16:creationId xmlns:a16="http://schemas.microsoft.com/office/drawing/2014/main" id="{4A1FB898-F306-4663-A328-1CDDB1E33043}"/>
+                <a16:creationId xmlns:a16="http://schemas.microsoft.com/office/drawing/2014/main" id="{86472E63-9B78-4EF0-8B2D-3D69B7DB3433}"/>
               </a:ext>
             </a:extLst>
           </p:cNvPr>
@@ -3461,7 +3474,7 @@
           <a:p>
             <a:r>
               <a:rPr lang="en-GB" dirty="0"/>
-              <a:t>Analysis of Imperial’s COVID Model</a:t>
+              <a:t>How to evaluate vaccines</a:t>
             </a:r>
           </a:p>
         </p:txBody>
@@ -3471,7 +3484,7 @@
           <p:cNvPr id="3" name="Content Placeholder 2">
             <a:extLst>
               <a:ext uri="{FF2B5EF4-FFF2-40B4-BE49-F238E27FC236}">
-                <a16:creationId xmlns:a16="http://schemas.microsoft.com/office/drawing/2014/main" id="{EADB1260-5E78-4F12-AF4E-FB017734CD2E}"/>
+                <a16:creationId xmlns:a16="http://schemas.microsoft.com/office/drawing/2014/main" id="{7565F8C7-349A-4693-BB13-4ACCB64CCCE8}"/>
               </a:ext>
             </a:extLst>
           </p:cNvPr>
@@ -3484,17 +3497,64 @@
         </p:nvSpPr>
         <p:spPr/>
         <p:txBody>
-          <a:bodyPr/>
-          <a:lstStyle/>
-          <a:p>
-            <a:endParaRPr lang="en-GB"/>
+          <a:bodyPr>
+            <a:normAutofit lnSpcReduction="10000"/>
+          </a:bodyPr>
+          <a:lstStyle/>
+          <a:p>
+            <a:r>
+              <a:rPr lang="en-GB" dirty="0"/>
+              <a:t>Studies mostly (cohort, case control, best is RCT), but be careful</a:t>
+            </a:r>
+          </a:p>
+          <a:p>
+            <a:pPr lvl="1"/>
+            <a:r>
+              <a:rPr lang="en-GB" dirty="0"/>
+              <a:t>If there is high uptake then there is something unusual about unvaccinated ppl</a:t>
+            </a:r>
+          </a:p>
+          <a:p>
+            <a:pPr lvl="1"/>
+            <a:r>
+              <a:rPr lang="en-GB" dirty="0"/>
+              <a:t>Ascertainment of cases of adverse effect/disease MUST be independent of vaccine history (autism anyone…?)</a:t>
+            </a:r>
+          </a:p>
+          <a:p>
+            <a:pPr lvl="1"/>
+            <a:r>
+              <a:rPr lang="en-GB" dirty="0"/>
+              <a:t>Vaccination data has to be based on documented evidence rather than Hx</a:t>
+            </a:r>
+          </a:p>
+          <a:p>
+            <a:pPr lvl="1"/>
+            <a:r>
+              <a:rPr lang="en-GB" dirty="0"/>
+              <a:t>Unwell children may have some vaccinations contraindicated, and therefore may make the vaccine appear protective of some adverse effect</a:t>
+            </a:r>
+          </a:p>
+          <a:p>
+            <a:pPr lvl="1"/>
+            <a:r>
+              <a:rPr lang="en-GB" dirty="0"/>
+              <a:t>There are as many confounders as you can think of, and many ulterior motives to discredit vaccination.</a:t>
+            </a:r>
+          </a:p>
+          <a:p>
+            <a:pPr lvl="1"/>
+            <a:r>
+              <a:rPr lang="en-GB" dirty="0"/>
+              <a:t>As the memory of the disease target declines the importance of adverse effects increases</a:t>
+            </a:r>
           </a:p>
         </p:txBody>
       </p:sp>
     </p:spTree>
     <p:extLst>
       <p:ext uri="{BB962C8B-B14F-4D97-AF65-F5344CB8AC3E}">
-        <p14:creationId xmlns:p14="http://schemas.microsoft.com/office/powerpoint/2010/main" val="596283384"/>
+        <p14:creationId xmlns:p14="http://schemas.microsoft.com/office/powerpoint/2010/main" val="3378403344"/>
       </p:ext>
     </p:extLst>
   </p:cSld>
@@ -3526,7 +3586,7 @@
           <p:cNvPr id="2" name="Title 1">
             <a:extLst>
               <a:ext uri="{FF2B5EF4-FFF2-40B4-BE49-F238E27FC236}">
-                <a16:creationId xmlns:a16="http://schemas.microsoft.com/office/drawing/2014/main" id="{BC095D84-EACD-4A39-8C95-4D2EA54B8AAC}"/>
+                <a16:creationId xmlns:a16="http://schemas.microsoft.com/office/drawing/2014/main" id="{FEDE5532-6734-40B8-AFD8-77E69EC97F4D}"/>
               </a:ext>
             </a:extLst>
           </p:cNvPr>
@@ -3542,7 +3602,10 @@
           <a:bodyPr/>
           <a:lstStyle/>
           <a:p>
-            <a:endParaRPr lang="en-GB"/>
+            <a:r>
+              <a:rPr lang="en-GB" dirty="0"/>
+              <a:t>Genetic Epidemiology</a:t>
+            </a:r>
           </a:p>
         </p:txBody>
       </p:sp>
@@ -3551,7 +3614,7 @@
           <p:cNvPr id="3" name="Content Placeholder 2">
             <a:extLst>
               <a:ext uri="{FF2B5EF4-FFF2-40B4-BE49-F238E27FC236}">
-                <a16:creationId xmlns:a16="http://schemas.microsoft.com/office/drawing/2014/main" id="{3B6D3960-989E-44C8-ABCB-BF894860292D}"/>
+                <a16:creationId xmlns:a16="http://schemas.microsoft.com/office/drawing/2014/main" id="{EA371DFB-A6C3-427B-B927-A0D8D0918EF3}"/>
               </a:ext>
             </a:extLst>
           </p:cNvPr>
@@ -3562,19 +3625,1192 @@
             <p:ph idx="1"/>
           </p:nvPr>
         </p:nvSpPr>
-        <p:spPr/>
-        <p:txBody>
-          <a:bodyPr/>
-          <a:lstStyle/>
-          <a:p>
-            <a:endParaRPr lang="en-GB"/>
-          </a:p>
-        </p:txBody>
-      </p:sp>
+        <p:spPr>
+          <a:xfrm>
+            <a:off x="838200" y="1825625"/>
+            <a:ext cx="4936958" cy="4351338"/>
+          </a:xfrm>
+        </p:spPr>
+        <p:txBody>
+          <a:bodyPr/>
+          <a:lstStyle/>
+          <a:p>
+            <a:r>
+              <a:rPr lang="en-GB" dirty="0"/>
+              <a:t>Genome wide association studies are the new hot ticket to a quick publication</a:t>
+            </a:r>
+          </a:p>
+          <a:p>
+            <a:r>
+              <a:rPr lang="en-GB" dirty="0"/>
+              <a:t>Balding(2006) gives a great easy to understand introduction to properly using statistical methodology to approach single SNP (single nucleotide polymorphism) analysis and beyond</a:t>
+            </a:r>
+          </a:p>
+        </p:txBody>
+      </p:sp>
+      <p:pic>
+        <p:nvPicPr>
+          <p:cNvPr id="4" name="Picture 3">
+            <a:extLst>
+              <a:ext uri="{FF2B5EF4-FFF2-40B4-BE49-F238E27FC236}">
+                <a16:creationId xmlns:a16="http://schemas.microsoft.com/office/drawing/2014/main" id="{3B6C9D3B-642A-468A-986A-2AD16A1EA610}"/>
+              </a:ext>
+            </a:extLst>
+          </p:cNvPr>
+          <p:cNvPicPr>
+            <a:picLocks noChangeAspect="1"/>
+          </p:cNvPicPr>
+          <p:nvPr/>
+        </p:nvPicPr>
+        <p:blipFill>
+          <a:blip r:embed="rId2"/>
+          <a:stretch>
+            <a:fillRect/>
+          </a:stretch>
+        </p:blipFill>
+        <p:spPr>
+          <a:xfrm>
+            <a:off x="6096000" y="1841417"/>
+            <a:ext cx="5725097" cy="3516645"/>
+          </a:xfrm>
+          <a:prstGeom prst="rect">
+            <a:avLst/>
+          </a:prstGeom>
+        </p:spPr>
+      </p:pic>
     </p:spTree>
     <p:extLst>
       <p:ext uri="{BB962C8B-B14F-4D97-AF65-F5344CB8AC3E}">
-        <p14:creationId xmlns:p14="http://schemas.microsoft.com/office/powerpoint/2010/main" val="1408494584"/>
+        <p14:creationId xmlns:p14="http://schemas.microsoft.com/office/powerpoint/2010/main" val="2528041537"/>
+      </p:ext>
+    </p:extLst>
+  </p:cSld>
+  <p:clrMapOvr>
+    <a:masterClrMapping/>
+  </p:clrMapOvr>
+</p:sld>
+</file>
+
+<file path=ppt/slides/slide12.xml><?xml version="1.0" encoding="utf-8"?>
+<p:sld xmlns:a="http://schemas.openxmlformats.org/drawingml/2006/main" xmlns:r="http://schemas.openxmlformats.org/officeDocument/2006/relationships" xmlns:p="http://schemas.openxmlformats.org/presentationml/2006/main">
+  <p:cSld>
+    <p:spTree>
+      <p:nvGrpSpPr>
+        <p:cNvPr id="1" name=""/>
+        <p:cNvGrpSpPr/>
+        <p:nvPr/>
+      </p:nvGrpSpPr>
+      <p:grpSpPr>
+        <a:xfrm>
+          <a:off x="0" y="0"/>
+          <a:ext cx="0" cy="0"/>
+          <a:chOff x="0" y="0"/>
+          <a:chExt cx="0" cy="0"/>
+        </a:xfrm>
+      </p:grpSpPr>
+      <p:sp>
+        <p:nvSpPr>
+          <p:cNvPr id="2" name="Title 1">
+            <a:extLst>
+              <a:ext uri="{FF2B5EF4-FFF2-40B4-BE49-F238E27FC236}">
+                <a16:creationId xmlns:a16="http://schemas.microsoft.com/office/drawing/2014/main" id="{0F0F20A3-C74B-4C40-BBC8-EDA7601E29FA}"/>
+              </a:ext>
+            </a:extLst>
+          </p:cNvPr>
+          <p:cNvSpPr>
+            <a:spLocks noGrp="1"/>
+          </p:cNvSpPr>
+          <p:nvPr>
+            <p:ph type="title"/>
+          </p:nvPr>
+        </p:nvSpPr>
+        <p:spPr/>
+        <p:txBody>
+          <a:bodyPr/>
+          <a:lstStyle/>
+          <a:p>
+            <a:r>
+              <a:rPr lang="en-GB" dirty="0"/>
+              <a:t>Association Studies</a:t>
+            </a:r>
+          </a:p>
+        </p:txBody>
+      </p:sp>
+      <p:sp>
+        <p:nvSpPr>
+          <p:cNvPr id="3" name="Content Placeholder 2">
+            <a:extLst>
+              <a:ext uri="{FF2B5EF4-FFF2-40B4-BE49-F238E27FC236}">
+                <a16:creationId xmlns:a16="http://schemas.microsoft.com/office/drawing/2014/main" id="{B43DCE7D-BC1A-495C-9045-E6021CF2C1B7}"/>
+              </a:ext>
+            </a:extLst>
+          </p:cNvPr>
+          <p:cNvSpPr>
+            <a:spLocks noGrp="1"/>
+          </p:cNvSpPr>
+          <p:nvPr>
+            <p:ph idx="1"/>
+          </p:nvPr>
+        </p:nvSpPr>
+        <p:spPr>
+          <a:xfrm>
+            <a:off x="838200" y="1825625"/>
+            <a:ext cx="5257800" cy="4351338"/>
+          </a:xfrm>
+        </p:spPr>
+        <p:txBody>
+          <a:bodyPr>
+            <a:normAutofit fontScale="85000" lnSpcReduction="20000"/>
+          </a:bodyPr>
+          <a:lstStyle/>
+          <a:p>
+            <a:r>
+              <a:rPr lang="en-GB" dirty="0"/>
+              <a:t>High number of variants assayed  errors and genotype or sequence miscalls are bound to happen</a:t>
+            </a:r>
+          </a:p>
+          <a:p>
+            <a:r>
+              <a:rPr lang="en-GB" dirty="0"/>
+              <a:t>If problematic samples not identified and excluded, they can affect the results of the entire experiment</a:t>
+            </a:r>
+          </a:p>
+          <a:p>
+            <a:r>
+              <a:rPr lang="en-GB" dirty="0"/>
+              <a:t>If SNPs with erroneous genotyping or sequencing not identified and excluded, can produce false signals of associations</a:t>
+            </a:r>
+          </a:p>
+          <a:p>
+            <a:r>
+              <a:rPr lang="en-GB" dirty="0"/>
+              <a:t>Therefore perform quality control (QC) procedures on samples and SNPs</a:t>
+            </a:r>
+          </a:p>
+          <a:p>
+            <a:r>
+              <a:rPr lang="en-GB" dirty="0"/>
+              <a:t>Basic principle: use samples and SNPs of high quality</a:t>
+            </a:r>
+          </a:p>
+        </p:txBody>
+      </p:sp>
+      <p:pic>
+        <p:nvPicPr>
+          <p:cNvPr id="4" name="Picture 3">
+            <a:extLst>
+              <a:ext uri="{FF2B5EF4-FFF2-40B4-BE49-F238E27FC236}">
+                <a16:creationId xmlns:a16="http://schemas.microsoft.com/office/drawing/2014/main" id="{D67CD500-EC28-45D0-810D-126743C9F53D}"/>
+              </a:ext>
+            </a:extLst>
+          </p:cNvPr>
+          <p:cNvPicPr>
+            <a:picLocks noChangeAspect="1"/>
+          </p:cNvPicPr>
+          <p:nvPr/>
+        </p:nvPicPr>
+        <p:blipFill>
+          <a:blip r:embed="rId2"/>
+          <a:stretch>
+            <a:fillRect/>
+          </a:stretch>
+        </p:blipFill>
+        <p:spPr>
+          <a:xfrm>
+            <a:off x="6329205" y="2676234"/>
+            <a:ext cx="5531944" cy="2858294"/>
+          </a:xfrm>
+          <a:prstGeom prst="rect">
+            <a:avLst/>
+          </a:prstGeom>
+        </p:spPr>
+      </p:pic>
+    </p:spTree>
+    <p:extLst>
+      <p:ext uri="{BB962C8B-B14F-4D97-AF65-F5344CB8AC3E}">
+        <p14:creationId xmlns:p14="http://schemas.microsoft.com/office/powerpoint/2010/main" val="3008493883"/>
+      </p:ext>
+    </p:extLst>
+  </p:cSld>
+  <p:clrMapOvr>
+    <a:masterClrMapping/>
+  </p:clrMapOvr>
+</p:sld>
+</file>
+
+<file path=ppt/slides/slide13.xml><?xml version="1.0" encoding="utf-8"?>
+<p:sld xmlns:a="http://schemas.openxmlformats.org/drawingml/2006/main" xmlns:r="http://schemas.openxmlformats.org/officeDocument/2006/relationships" xmlns:p="http://schemas.openxmlformats.org/presentationml/2006/main">
+  <p:cSld>
+    <p:spTree>
+      <p:nvGrpSpPr>
+        <p:cNvPr id="1" name=""/>
+        <p:cNvGrpSpPr/>
+        <p:nvPr/>
+      </p:nvGrpSpPr>
+      <p:grpSpPr>
+        <a:xfrm>
+          <a:off x="0" y="0"/>
+          <a:ext cx="0" cy="0"/>
+          <a:chOff x="0" y="0"/>
+          <a:chExt cx="0" cy="0"/>
+        </a:xfrm>
+      </p:grpSpPr>
+      <p:sp>
+        <p:nvSpPr>
+          <p:cNvPr id="2" name="Title 1">
+            <a:extLst>
+              <a:ext uri="{FF2B5EF4-FFF2-40B4-BE49-F238E27FC236}">
+                <a16:creationId xmlns:a16="http://schemas.microsoft.com/office/drawing/2014/main" id="{D58B2C03-6B88-4A94-AC40-D9CD674A704D}"/>
+              </a:ext>
+            </a:extLst>
+          </p:cNvPr>
+          <p:cNvSpPr>
+            <a:spLocks noGrp="1"/>
+          </p:cNvSpPr>
+          <p:nvPr>
+            <p:ph type="title"/>
+          </p:nvPr>
+        </p:nvSpPr>
+        <p:spPr/>
+        <p:txBody>
+          <a:bodyPr/>
+          <a:lstStyle/>
+          <a:p>
+            <a:r>
+              <a:rPr lang="en-GB" dirty="0"/>
+              <a:t>Genetic analysis in R</a:t>
+            </a:r>
+          </a:p>
+        </p:txBody>
+      </p:sp>
+      <p:sp>
+        <p:nvSpPr>
+          <p:cNvPr id="3" name="Content Placeholder 2">
+            <a:extLst>
+              <a:ext uri="{FF2B5EF4-FFF2-40B4-BE49-F238E27FC236}">
+                <a16:creationId xmlns:a16="http://schemas.microsoft.com/office/drawing/2014/main" id="{4F6C6AC7-132D-4897-95C7-33E9E2227340}"/>
+              </a:ext>
+            </a:extLst>
+          </p:cNvPr>
+          <p:cNvSpPr>
+            <a:spLocks noGrp="1"/>
+          </p:cNvSpPr>
+          <p:nvPr>
+            <p:ph idx="1"/>
+          </p:nvPr>
+        </p:nvSpPr>
+        <p:spPr>
+          <a:xfrm>
+            <a:off x="838200" y="1825625"/>
+            <a:ext cx="5113421" cy="4351338"/>
+          </a:xfrm>
+        </p:spPr>
+        <p:txBody>
+          <a:bodyPr>
+            <a:normAutofit lnSpcReduction="10000"/>
+          </a:bodyPr>
+          <a:lstStyle/>
+          <a:p>
+            <a:r>
+              <a:rPr lang="en-GB" dirty="0"/>
+              <a:t>TOO MANY PACKAGES</a:t>
+            </a:r>
+          </a:p>
+          <a:p>
+            <a:r>
+              <a:rPr lang="en-GB" dirty="0"/>
+              <a:t>genetics, </a:t>
+            </a:r>
+            <a:r>
+              <a:rPr lang="en-GB" dirty="0" err="1"/>
+              <a:t>haplo.stats</a:t>
+            </a:r>
+            <a:r>
+              <a:rPr lang="en-GB" dirty="0"/>
+              <a:t> (</a:t>
+            </a:r>
+            <a:r>
+              <a:rPr lang="en-GB" dirty="0" err="1"/>
+              <a:t>haplo.ccs</a:t>
+            </a:r>
+            <a:r>
+              <a:rPr lang="en-GB" dirty="0"/>
+              <a:t>, </a:t>
+            </a:r>
+            <a:r>
+              <a:rPr lang="en-GB" dirty="0" err="1"/>
+              <a:t>hapassoc</a:t>
+            </a:r>
+            <a:r>
+              <a:rPr lang="en-GB" dirty="0"/>
+              <a:t>), gap, identity, pedigree, </a:t>
+            </a:r>
+            <a:r>
+              <a:rPr lang="en-GB" dirty="0" err="1"/>
+              <a:t>hwde</a:t>
+            </a:r>
+            <a:r>
+              <a:rPr lang="en-GB" dirty="0"/>
+              <a:t>, </a:t>
+            </a:r>
+            <a:r>
+              <a:rPr lang="en-GB" dirty="0" err="1"/>
+              <a:t>multic</a:t>
+            </a:r>
+            <a:r>
+              <a:rPr lang="en-GB" dirty="0"/>
+              <a:t>, </a:t>
+            </a:r>
+            <a:r>
+              <a:rPr lang="en-GB" dirty="0" err="1"/>
+              <a:t>LDheatmap</a:t>
+            </a:r>
+            <a:r>
+              <a:rPr lang="en-GB" dirty="0"/>
+              <a:t>.</a:t>
+            </a:r>
+          </a:p>
+          <a:p>
+            <a:r>
+              <a:rPr lang="en-GB" dirty="0" err="1"/>
+              <a:t>SNPassoc</a:t>
+            </a:r>
+            <a:r>
+              <a:rPr lang="en-GB" dirty="0"/>
+              <a:t>, </a:t>
+            </a:r>
+            <a:r>
+              <a:rPr lang="en-GB" dirty="0" err="1"/>
+              <a:t>snpMatrix</a:t>
+            </a:r>
+            <a:r>
+              <a:rPr lang="en-GB" dirty="0"/>
+              <a:t>, </a:t>
+            </a:r>
+            <a:r>
+              <a:rPr lang="en-GB" dirty="0" err="1"/>
+              <a:t>GenABEL</a:t>
+            </a:r>
+            <a:r>
+              <a:rPr lang="en-GB" dirty="0"/>
+              <a:t>, </a:t>
+            </a:r>
+            <a:r>
+              <a:rPr lang="en-GB" dirty="0" err="1"/>
+              <a:t>pbatR</a:t>
+            </a:r>
+            <a:r>
+              <a:rPr lang="en-GB" dirty="0"/>
+              <a:t>, </a:t>
+            </a:r>
+            <a:r>
+              <a:rPr lang="en-GB" dirty="0" err="1"/>
+              <a:t>statgenGWAS</a:t>
+            </a:r>
+            <a:endParaRPr lang="en-GB" dirty="0"/>
+          </a:p>
+          <a:p>
+            <a:r>
+              <a:rPr lang="en-GB" dirty="0"/>
+              <a:t>In the end though you can still use conventional analysis methods once you’ve got your hypothesis</a:t>
+            </a:r>
+          </a:p>
+        </p:txBody>
+      </p:sp>
+      <p:pic>
+        <p:nvPicPr>
+          <p:cNvPr id="4" name="Picture 3">
+            <a:extLst>
+              <a:ext uri="{FF2B5EF4-FFF2-40B4-BE49-F238E27FC236}">
+                <a16:creationId xmlns:a16="http://schemas.microsoft.com/office/drawing/2014/main" id="{38296ECE-3C9E-4538-B341-D50CE3789B62}"/>
+              </a:ext>
+            </a:extLst>
+          </p:cNvPr>
+          <p:cNvPicPr>
+            <a:picLocks noChangeAspect="1"/>
+          </p:cNvPicPr>
+          <p:nvPr/>
+        </p:nvPicPr>
+        <p:blipFill>
+          <a:blip r:embed="rId2"/>
+          <a:stretch>
+            <a:fillRect/>
+          </a:stretch>
+        </p:blipFill>
+        <p:spPr>
+          <a:xfrm>
+            <a:off x="6096000" y="2555066"/>
+            <a:ext cx="6035604" cy="2562365"/>
+          </a:xfrm>
+          <a:prstGeom prst="rect">
+            <a:avLst/>
+          </a:prstGeom>
+        </p:spPr>
+      </p:pic>
+    </p:spTree>
+    <p:extLst>
+      <p:ext uri="{BB962C8B-B14F-4D97-AF65-F5344CB8AC3E}">
+        <p14:creationId xmlns:p14="http://schemas.microsoft.com/office/powerpoint/2010/main" val="4064657091"/>
+      </p:ext>
+    </p:extLst>
+  </p:cSld>
+  <p:clrMapOvr>
+    <a:masterClrMapping/>
+  </p:clrMapOvr>
+</p:sld>
+</file>
+
+<file path=ppt/slides/slide14.xml><?xml version="1.0" encoding="utf-8"?>
+<p:sld xmlns:a="http://schemas.openxmlformats.org/drawingml/2006/main" xmlns:r="http://schemas.openxmlformats.org/officeDocument/2006/relationships" xmlns:p="http://schemas.openxmlformats.org/presentationml/2006/main">
+  <p:cSld>
+    <p:spTree>
+      <p:nvGrpSpPr>
+        <p:cNvPr id="1" name=""/>
+        <p:cNvGrpSpPr/>
+        <p:nvPr/>
+      </p:nvGrpSpPr>
+      <p:grpSpPr>
+        <a:xfrm>
+          <a:off x="0" y="0"/>
+          <a:ext cx="0" cy="0"/>
+          <a:chOff x="0" y="0"/>
+          <a:chExt cx="0" cy="0"/>
+        </a:xfrm>
+      </p:grpSpPr>
+      <p:sp>
+        <p:nvSpPr>
+          <p:cNvPr id="2" name="Title 1">
+            <a:extLst>
+              <a:ext uri="{FF2B5EF4-FFF2-40B4-BE49-F238E27FC236}">
+                <a16:creationId xmlns:a16="http://schemas.microsoft.com/office/drawing/2014/main" id="{C8DDAF67-4203-4823-8793-607D8ACF6E30}"/>
+              </a:ext>
+            </a:extLst>
+          </p:cNvPr>
+          <p:cNvSpPr>
+            <a:spLocks noGrp="1"/>
+          </p:cNvSpPr>
+          <p:nvPr>
+            <p:ph type="title"/>
+          </p:nvPr>
+        </p:nvSpPr>
+        <p:spPr/>
+        <p:txBody>
+          <a:bodyPr/>
+          <a:lstStyle/>
+          <a:p>
+            <a:r>
+              <a:rPr lang="en-GB" dirty="0"/>
+              <a:t>GWAS Pipeline Example</a:t>
+            </a:r>
+          </a:p>
+        </p:txBody>
+      </p:sp>
+      <p:pic>
+        <p:nvPicPr>
+          <p:cNvPr id="4" name="Content Placeholder 3">
+            <a:extLst>
+              <a:ext uri="{FF2B5EF4-FFF2-40B4-BE49-F238E27FC236}">
+                <a16:creationId xmlns:a16="http://schemas.microsoft.com/office/drawing/2014/main" id="{59E975D7-FC4A-4C51-B2E1-BCCD468A2AD9}"/>
+              </a:ext>
+            </a:extLst>
+          </p:cNvPr>
+          <p:cNvPicPr>
+            <a:picLocks noGrp="1" noChangeAspect="1"/>
+          </p:cNvPicPr>
+          <p:nvPr>
+            <p:ph idx="1"/>
+          </p:nvPr>
+        </p:nvPicPr>
+        <p:blipFill>
+          <a:blip r:embed="rId2"/>
+          <a:stretch>
+            <a:fillRect/>
+          </a:stretch>
+        </p:blipFill>
+        <p:spPr>
+          <a:xfrm>
+            <a:off x="2152684" y="1690688"/>
+            <a:ext cx="7886632" cy="4606180"/>
+          </a:xfrm>
+          <a:prstGeom prst="rect">
+            <a:avLst/>
+          </a:prstGeom>
+        </p:spPr>
+      </p:pic>
+    </p:spTree>
+    <p:extLst>
+      <p:ext uri="{BB962C8B-B14F-4D97-AF65-F5344CB8AC3E}">
+        <p14:creationId xmlns:p14="http://schemas.microsoft.com/office/powerpoint/2010/main" val="3534161710"/>
+      </p:ext>
+    </p:extLst>
+  </p:cSld>
+  <p:clrMapOvr>
+    <a:masterClrMapping/>
+  </p:clrMapOvr>
+</p:sld>
+</file>
+
+<file path=ppt/slides/slide15.xml><?xml version="1.0" encoding="utf-8"?>
+<p:sld xmlns:a="http://schemas.openxmlformats.org/drawingml/2006/main" xmlns:r="http://schemas.openxmlformats.org/officeDocument/2006/relationships" xmlns:p="http://schemas.openxmlformats.org/presentationml/2006/main">
+  <p:cSld>
+    <p:spTree>
+      <p:nvGrpSpPr>
+        <p:cNvPr id="1" name=""/>
+        <p:cNvGrpSpPr/>
+        <p:nvPr/>
+      </p:nvGrpSpPr>
+      <p:grpSpPr>
+        <a:xfrm>
+          <a:off x="0" y="0"/>
+          <a:ext cx="0" cy="0"/>
+          <a:chOff x="0" y="0"/>
+          <a:chExt cx="0" cy="0"/>
+        </a:xfrm>
+      </p:grpSpPr>
+      <p:sp>
+        <p:nvSpPr>
+          <p:cNvPr id="2" name="Title 1">
+            <a:extLst>
+              <a:ext uri="{FF2B5EF4-FFF2-40B4-BE49-F238E27FC236}">
+                <a16:creationId xmlns:a16="http://schemas.microsoft.com/office/drawing/2014/main" id="{15176CB3-0B4E-4392-9CCB-68758932F45D}"/>
+              </a:ext>
+            </a:extLst>
+          </p:cNvPr>
+          <p:cNvSpPr>
+            <a:spLocks noGrp="1"/>
+          </p:cNvSpPr>
+          <p:nvPr>
+            <p:ph type="title"/>
+          </p:nvPr>
+        </p:nvSpPr>
+        <p:spPr/>
+        <p:txBody>
+          <a:bodyPr/>
+          <a:lstStyle/>
+          <a:p>
+            <a:r>
+              <a:rPr lang="en-GB" dirty="0" err="1"/>
+              <a:t>Github</a:t>
+            </a:r>
+            <a:endParaRPr lang="en-GB" dirty="0"/>
+          </a:p>
+        </p:txBody>
+      </p:sp>
+      <p:sp>
+        <p:nvSpPr>
+          <p:cNvPr id="3" name="Content Placeholder 2">
+            <a:extLst>
+              <a:ext uri="{FF2B5EF4-FFF2-40B4-BE49-F238E27FC236}">
+                <a16:creationId xmlns:a16="http://schemas.microsoft.com/office/drawing/2014/main" id="{3947EAE9-5B1F-4136-B8C3-A4609D039C9F}"/>
+              </a:ext>
+            </a:extLst>
+          </p:cNvPr>
+          <p:cNvSpPr>
+            <a:spLocks noGrp="1"/>
+          </p:cNvSpPr>
+          <p:nvPr>
+            <p:ph idx="1"/>
+          </p:nvPr>
+        </p:nvSpPr>
+        <p:spPr/>
+        <p:txBody>
+          <a:bodyPr>
+            <a:normAutofit/>
+          </a:bodyPr>
+          <a:lstStyle/>
+          <a:p>
+            <a:r>
+              <a:rPr lang="en-GB" dirty="0"/>
+              <a:t>First make a </a:t>
+            </a:r>
+            <a:r>
+              <a:rPr lang="en-GB" dirty="0" err="1"/>
+              <a:t>github</a:t>
+            </a:r>
+            <a:r>
+              <a:rPr lang="en-GB" dirty="0"/>
+              <a:t> account and download </a:t>
+            </a:r>
+            <a:r>
+              <a:rPr lang="en-GB" dirty="0" err="1"/>
+              <a:t>github</a:t>
+            </a:r>
+            <a:r>
+              <a:rPr lang="en-GB" dirty="0"/>
+              <a:t> desktop and git itself</a:t>
+            </a:r>
+          </a:p>
+          <a:p>
+            <a:r>
+              <a:rPr lang="en-GB" dirty="0"/>
+              <a:t>What is </a:t>
+            </a:r>
+            <a:r>
+              <a:rPr lang="en-GB" dirty="0" err="1"/>
+              <a:t>github</a:t>
+            </a:r>
+            <a:r>
+              <a:rPr lang="en-GB" dirty="0"/>
+              <a:t>?</a:t>
+            </a:r>
+          </a:p>
+          <a:p>
+            <a:pPr lvl="1"/>
+            <a:r>
+              <a:rPr lang="en-GB" dirty="0"/>
+              <a:t>It’s where the world’s code is stored</a:t>
+            </a:r>
+          </a:p>
+          <a:p>
+            <a:pPr lvl="1"/>
+            <a:r>
+              <a:rPr lang="en-GB" dirty="0"/>
+              <a:t>It allows multiple people to share and collaborate on code and different parts of a larger project</a:t>
+            </a:r>
+          </a:p>
+          <a:p>
+            <a:pPr lvl="1"/>
+            <a:r>
+              <a:rPr lang="en-GB" dirty="0"/>
+              <a:t>It’s also where your code portfolio is kept for other people to look at and share.</a:t>
+            </a:r>
+          </a:p>
+          <a:p>
+            <a:r>
+              <a:rPr lang="en-GB" dirty="0"/>
+              <a:t>What’s a git then? – a version control system for branching changes.</a:t>
+            </a:r>
+          </a:p>
+          <a:p>
+            <a:r>
+              <a:rPr lang="en-GB" sz="3200" b="1" dirty="0"/>
+              <a:t>Git is to </a:t>
+            </a:r>
+            <a:r>
+              <a:rPr lang="en-GB" sz="3200" b="1" dirty="0" err="1"/>
+              <a:t>Github</a:t>
+            </a:r>
+            <a:r>
+              <a:rPr lang="en-GB" sz="3200" b="1" dirty="0"/>
+              <a:t> as Porn is to Pornhub</a:t>
+            </a:r>
+          </a:p>
+          <a:p>
+            <a:endParaRPr lang="en-GB" dirty="0"/>
+          </a:p>
+          <a:p>
+            <a:endParaRPr lang="en-GB" dirty="0"/>
+          </a:p>
+        </p:txBody>
+      </p:sp>
+    </p:spTree>
+    <p:extLst>
+      <p:ext uri="{BB962C8B-B14F-4D97-AF65-F5344CB8AC3E}">
+        <p14:creationId xmlns:p14="http://schemas.microsoft.com/office/powerpoint/2010/main" val="316578132"/>
+      </p:ext>
+    </p:extLst>
+  </p:cSld>
+  <p:clrMapOvr>
+    <a:masterClrMapping/>
+  </p:clrMapOvr>
+</p:sld>
+</file>
+
+<file path=ppt/slides/slide16.xml><?xml version="1.0" encoding="utf-8"?>
+<p:sld xmlns:a="http://schemas.openxmlformats.org/drawingml/2006/main" xmlns:r="http://schemas.openxmlformats.org/officeDocument/2006/relationships" xmlns:p="http://schemas.openxmlformats.org/presentationml/2006/main">
+  <p:cSld>
+    <p:spTree>
+      <p:nvGrpSpPr>
+        <p:cNvPr id="1" name=""/>
+        <p:cNvGrpSpPr/>
+        <p:nvPr/>
+      </p:nvGrpSpPr>
+      <p:grpSpPr>
+        <a:xfrm>
+          <a:off x="0" y="0"/>
+          <a:ext cx="0" cy="0"/>
+          <a:chOff x="0" y="0"/>
+          <a:chExt cx="0" cy="0"/>
+        </a:xfrm>
+      </p:grpSpPr>
+      <p:sp>
+        <p:nvSpPr>
+          <p:cNvPr id="2" name="Title 1">
+            <a:extLst>
+              <a:ext uri="{FF2B5EF4-FFF2-40B4-BE49-F238E27FC236}">
+                <a16:creationId xmlns:a16="http://schemas.microsoft.com/office/drawing/2014/main" id="{9B558739-2424-4B6C-9B65-48DB78B6A871}"/>
+              </a:ext>
+            </a:extLst>
+          </p:cNvPr>
+          <p:cNvSpPr>
+            <a:spLocks noGrp="1"/>
+          </p:cNvSpPr>
+          <p:nvPr>
+            <p:ph type="title"/>
+          </p:nvPr>
+        </p:nvSpPr>
+        <p:spPr/>
+        <p:txBody>
+          <a:bodyPr/>
+          <a:lstStyle/>
+          <a:p>
+            <a:r>
+              <a:rPr lang="en-GB" dirty="0"/>
+              <a:t>How to set up a repo</a:t>
+            </a:r>
+          </a:p>
+        </p:txBody>
+      </p:sp>
+      <p:sp>
+        <p:nvSpPr>
+          <p:cNvPr id="3" name="Content Placeholder 2">
+            <a:extLst>
+              <a:ext uri="{FF2B5EF4-FFF2-40B4-BE49-F238E27FC236}">
+                <a16:creationId xmlns:a16="http://schemas.microsoft.com/office/drawing/2014/main" id="{F38078D2-77CA-4117-9BE6-2401C049D2BC}"/>
+              </a:ext>
+            </a:extLst>
+          </p:cNvPr>
+          <p:cNvSpPr>
+            <a:spLocks noGrp="1"/>
+          </p:cNvSpPr>
+          <p:nvPr>
+            <p:ph idx="1"/>
+          </p:nvPr>
+        </p:nvSpPr>
+        <p:spPr/>
+        <p:txBody>
+          <a:bodyPr/>
+          <a:lstStyle/>
+          <a:p>
+            <a:r>
+              <a:rPr lang="en-GB" dirty="0"/>
+              <a:t>If you’ve set up a </a:t>
+            </a:r>
+            <a:r>
+              <a:rPr lang="en-GB" dirty="0" err="1"/>
+              <a:t>github</a:t>
+            </a:r>
+            <a:r>
+              <a:rPr lang="en-GB" dirty="0"/>
+              <a:t> account just follow these steps</a:t>
+            </a:r>
+          </a:p>
+          <a:p>
+            <a:r>
+              <a:rPr lang="en-GB" dirty="0"/>
+              <a:t>First make a repository on </a:t>
+            </a:r>
+            <a:r>
+              <a:rPr lang="en-GB" dirty="0" err="1"/>
+              <a:t>Github</a:t>
+            </a:r>
+            <a:r>
+              <a:rPr lang="en-GB" dirty="0"/>
+              <a:t>, call is something like </a:t>
+            </a:r>
+            <a:r>
+              <a:rPr lang="en-GB" dirty="0" err="1"/>
+              <a:t>R_Teaching</a:t>
+            </a:r>
+            <a:r>
+              <a:rPr lang="en-GB" dirty="0"/>
+              <a:t>, and initialise it with a README</a:t>
+            </a:r>
+          </a:p>
+          <a:p>
+            <a:r>
+              <a:rPr lang="en-GB" dirty="0"/>
+              <a:t>Then set up a new project in RStudio</a:t>
+            </a:r>
+          </a:p>
+          <a:p>
+            <a:pPr lvl="1"/>
+            <a:r>
+              <a:rPr lang="en-GB" dirty="0"/>
+              <a:t>Use ‘Version Control’ and open in a new session </a:t>
+            </a:r>
+          </a:p>
+          <a:p>
+            <a:pPr lvl="1"/>
+            <a:r>
+              <a:rPr lang="en-GB" dirty="0"/>
+              <a:t>Use the URL of your new repo on </a:t>
+            </a:r>
+          </a:p>
+          <a:p>
+            <a:pPr lvl="1"/>
+            <a:r>
+              <a:rPr lang="en-GB" dirty="0"/>
+              <a:t>What you’ve made is a new folder, a git repo (linked to a </a:t>
+            </a:r>
+            <a:r>
+              <a:rPr lang="en-GB" dirty="0" err="1"/>
+              <a:t>Github</a:t>
+            </a:r>
+            <a:r>
+              <a:rPr lang="en-GB" dirty="0"/>
+              <a:t> repo), and an </a:t>
+            </a:r>
+            <a:r>
+              <a:rPr lang="en-GB" dirty="0" err="1"/>
+              <a:t>Rstudio</a:t>
+            </a:r>
+            <a:r>
+              <a:rPr lang="en-GB" dirty="0"/>
+              <a:t> project</a:t>
+            </a:r>
+          </a:p>
+          <a:p>
+            <a:r>
+              <a:rPr lang="en-GB" dirty="0"/>
+              <a:t>Then just copy over all the relevant files for them to be synced</a:t>
+            </a:r>
+          </a:p>
+        </p:txBody>
+      </p:sp>
+    </p:spTree>
+    <p:extLst>
+      <p:ext uri="{BB962C8B-B14F-4D97-AF65-F5344CB8AC3E}">
+        <p14:creationId xmlns:p14="http://schemas.microsoft.com/office/powerpoint/2010/main" val="1068368634"/>
+      </p:ext>
+    </p:extLst>
+  </p:cSld>
+  <p:clrMapOvr>
+    <a:masterClrMapping/>
+  </p:clrMapOvr>
+</p:sld>
+</file>
+
+<file path=ppt/slides/slide17.xml><?xml version="1.0" encoding="utf-8"?>
+<p:sld xmlns:a="http://schemas.openxmlformats.org/drawingml/2006/main" xmlns:r="http://schemas.openxmlformats.org/officeDocument/2006/relationships" xmlns:p="http://schemas.openxmlformats.org/presentationml/2006/main">
+  <p:cSld>
+    <p:spTree>
+      <p:nvGrpSpPr>
+        <p:cNvPr id="1" name=""/>
+        <p:cNvGrpSpPr/>
+        <p:nvPr/>
+      </p:nvGrpSpPr>
+      <p:grpSpPr>
+        <a:xfrm>
+          <a:off x="0" y="0"/>
+          <a:ext cx="0" cy="0"/>
+          <a:chOff x="0" y="0"/>
+          <a:chExt cx="0" cy="0"/>
+        </a:xfrm>
+      </p:grpSpPr>
+      <p:sp>
+        <p:nvSpPr>
+          <p:cNvPr id="2" name="Title 1">
+            <a:extLst>
+              <a:ext uri="{FF2B5EF4-FFF2-40B4-BE49-F238E27FC236}">
+                <a16:creationId xmlns:a16="http://schemas.microsoft.com/office/drawing/2014/main" id="{4AD1FDAA-4CD6-4806-874E-BED51CF49BC5}"/>
+              </a:ext>
+            </a:extLst>
+          </p:cNvPr>
+          <p:cNvSpPr>
+            <a:spLocks noGrp="1"/>
+          </p:cNvSpPr>
+          <p:nvPr>
+            <p:ph type="title"/>
+          </p:nvPr>
+        </p:nvSpPr>
+        <p:spPr/>
+        <p:txBody>
+          <a:bodyPr/>
+          <a:lstStyle/>
+          <a:p>
+            <a:r>
+              <a:rPr lang="en-GB" dirty="0"/>
+              <a:t>Commitment</a:t>
+            </a:r>
+          </a:p>
+        </p:txBody>
+      </p:sp>
+      <p:sp>
+        <p:nvSpPr>
+          <p:cNvPr id="3" name="Content Placeholder 2">
+            <a:extLst>
+              <a:ext uri="{FF2B5EF4-FFF2-40B4-BE49-F238E27FC236}">
+                <a16:creationId xmlns:a16="http://schemas.microsoft.com/office/drawing/2014/main" id="{E271F804-4B21-4036-9385-8B493ECA4A17}"/>
+              </a:ext>
+            </a:extLst>
+          </p:cNvPr>
+          <p:cNvSpPr>
+            <a:spLocks noGrp="1"/>
+          </p:cNvSpPr>
+          <p:nvPr>
+            <p:ph idx="1"/>
+          </p:nvPr>
+        </p:nvSpPr>
+        <p:spPr/>
+        <p:txBody>
+          <a:bodyPr/>
+          <a:lstStyle/>
+          <a:p>
+            <a:r>
+              <a:rPr lang="en-GB" dirty="0"/>
+              <a:t>There’s a new pane in the global environment</a:t>
+            </a:r>
+          </a:p>
+          <a:p>
+            <a:endParaRPr lang="en-GB" dirty="0"/>
+          </a:p>
+          <a:p>
+            <a:endParaRPr lang="en-GB" dirty="0"/>
+          </a:p>
+          <a:p>
+            <a:endParaRPr lang="en-GB" dirty="0"/>
+          </a:p>
+          <a:p>
+            <a:r>
+              <a:rPr lang="en-GB" dirty="0"/>
+              <a:t>Your code/files should be showing up there with question marks, meaning they are new untracked files.</a:t>
+            </a:r>
+          </a:p>
+          <a:p>
+            <a:r>
+              <a:rPr lang="en-GB" dirty="0"/>
+              <a:t>Stage them (set the stage for version tracking) and then commit them</a:t>
+            </a:r>
+          </a:p>
+          <a:p>
+            <a:r>
+              <a:rPr lang="en-GB" dirty="0"/>
+              <a:t>You have to have a message in the commit, make it something fun.</a:t>
+            </a:r>
+          </a:p>
+        </p:txBody>
+      </p:sp>
+      <p:pic>
+        <p:nvPicPr>
+          <p:cNvPr id="5" name="Picture 4">
+            <a:extLst>
+              <a:ext uri="{FF2B5EF4-FFF2-40B4-BE49-F238E27FC236}">
+                <a16:creationId xmlns:a16="http://schemas.microsoft.com/office/drawing/2014/main" id="{80916B00-F625-4262-98B4-56F70D985D90}"/>
+              </a:ext>
+            </a:extLst>
+          </p:cNvPr>
+          <p:cNvPicPr>
+            <a:picLocks noChangeAspect="1"/>
+          </p:cNvPicPr>
+          <p:nvPr/>
+        </p:nvPicPr>
+        <p:blipFill>
+          <a:blip r:embed="rId2"/>
+          <a:stretch>
+            <a:fillRect/>
+          </a:stretch>
+        </p:blipFill>
+        <p:spPr>
+          <a:xfrm>
+            <a:off x="1302801" y="2261237"/>
+            <a:ext cx="4793199" cy="1460532"/>
+          </a:xfrm>
+          <a:prstGeom prst="rect">
+            <a:avLst/>
+          </a:prstGeom>
+        </p:spPr>
+      </p:pic>
+    </p:spTree>
+    <p:extLst>
+      <p:ext uri="{BB962C8B-B14F-4D97-AF65-F5344CB8AC3E}">
+        <p14:creationId xmlns:p14="http://schemas.microsoft.com/office/powerpoint/2010/main" val="1841268272"/>
+      </p:ext>
+    </p:extLst>
+  </p:cSld>
+  <p:clrMapOvr>
+    <a:masterClrMapping/>
+  </p:clrMapOvr>
+</p:sld>
+</file>
+
+<file path=ppt/slides/slide18.xml><?xml version="1.0" encoding="utf-8"?>
+<p:sld xmlns:a="http://schemas.openxmlformats.org/drawingml/2006/main" xmlns:r="http://schemas.openxmlformats.org/officeDocument/2006/relationships" xmlns:p="http://schemas.openxmlformats.org/presentationml/2006/main">
+  <p:cSld>
+    <p:spTree>
+      <p:nvGrpSpPr>
+        <p:cNvPr id="1" name=""/>
+        <p:cNvGrpSpPr/>
+        <p:nvPr/>
+      </p:nvGrpSpPr>
+      <p:grpSpPr>
+        <a:xfrm>
+          <a:off x="0" y="0"/>
+          <a:ext cx="0" cy="0"/>
+          <a:chOff x="0" y="0"/>
+          <a:chExt cx="0" cy="0"/>
+        </a:xfrm>
+      </p:grpSpPr>
+      <p:sp>
+        <p:nvSpPr>
+          <p:cNvPr id="2" name="Title 1">
+            <a:extLst>
+              <a:ext uri="{FF2B5EF4-FFF2-40B4-BE49-F238E27FC236}">
+                <a16:creationId xmlns:a16="http://schemas.microsoft.com/office/drawing/2014/main" id="{EE9695E3-1884-45D5-888E-736C6DC10251}"/>
+              </a:ext>
+            </a:extLst>
+          </p:cNvPr>
+          <p:cNvSpPr>
+            <a:spLocks noGrp="1"/>
+          </p:cNvSpPr>
+          <p:nvPr>
+            <p:ph type="title"/>
+          </p:nvPr>
+        </p:nvSpPr>
+        <p:spPr/>
+        <p:txBody>
+          <a:bodyPr/>
+          <a:lstStyle/>
+          <a:p>
+            <a:r>
+              <a:rPr lang="en-GB" dirty="0"/>
+              <a:t>PUSH </a:t>
+            </a:r>
+          </a:p>
+        </p:txBody>
+      </p:sp>
+      <p:sp>
+        <p:nvSpPr>
+          <p:cNvPr id="3" name="Content Placeholder 2">
+            <a:extLst>
+              <a:ext uri="{FF2B5EF4-FFF2-40B4-BE49-F238E27FC236}">
+                <a16:creationId xmlns:a16="http://schemas.microsoft.com/office/drawing/2014/main" id="{9AD16B36-D76C-4388-80E1-33EC32BD34E3}"/>
+              </a:ext>
+            </a:extLst>
+          </p:cNvPr>
+          <p:cNvSpPr>
+            <a:spLocks noGrp="1"/>
+          </p:cNvSpPr>
+          <p:nvPr>
+            <p:ph idx="1"/>
+          </p:nvPr>
+        </p:nvSpPr>
+        <p:spPr/>
+        <p:txBody>
+          <a:bodyPr/>
+          <a:lstStyle/>
+          <a:p>
+            <a:r>
+              <a:rPr lang="en-GB" dirty="0"/>
+              <a:t>It’ll then say how far ahead of the common repo your versions and commits are</a:t>
+            </a:r>
+          </a:p>
+          <a:p>
+            <a:r>
+              <a:rPr lang="en-GB" dirty="0"/>
+              <a:t>Push them to merge with the common thread of the repo</a:t>
+            </a:r>
+          </a:p>
+          <a:p>
+            <a:endParaRPr lang="en-GB" dirty="0"/>
+          </a:p>
+          <a:p>
+            <a:r>
+              <a:rPr lang="en-GB" dirty="0"/>
+              <a:t>That’s it</a:t>
+            </a:r>
+          </a:p>
+          <a:p>
+            <a:r>
+              <a:rPr lang="en-GB" dirty="0"/>
+              <a:t>Now your code is up in the GitHub and you can work on it from wherever you want.</a:t>
+            </a:r>
+          </a:p>
+          <a:p>
+            <a:r>
+              <a:rPr lang="en-GB" dirty="0"/>
+              <a:t>It’s like google drive, but every past change is saved and every change has to be approved and committed with some commenting</a:t>
+            </a:r>
+          </a:p>
+        </p:txBody>
+      </p:sp>
+    </p:spTree>
+    <p:extLst>
+      <p:ext uri="{BB962C8B-B14F-4D97-AF65-F5344CB8AC3E}">
+        <p14:creationId xmlns:p14="http://schemas.microsoft.com/office/powerpoint/2010/main" val="3994223106"/>
+      </p:ext>
+    </p:extLst>
+  </p:cSld>
+  <p:clrMapOvr>
+    <a:masterClrMapping/>
+  </p:clrMapOvr>
+</p:sld>
+</file>
+
+<file path=ppt/slides/slide19.xml><?xml version="1.0" encoding="utf-8"?>
+<p:sld xmlns:a="http://schemas.openxmlformats.org/drawingml/2006/main" xmlns:r="http://schemas.openxmlformats.org/officeDocument/2006/relationships" xmlns:p="http://schemas.openxmlformats.org/presentationml/2006/main">
+  <p:cSld>
+    <p:spTree>
+      <p:nvGrpSpPr>
+        <p:cNvPr id="1" name=""/>
+        <p:cNvGrpSpPr/>
+        <p:nvPr/>
+      </p:nvGrpSpPr>
+      <p:grpSpPr>
+        <a:xfrm>
+          <a:off x="0" y="0"/>
+          <a:ext cx="0" cy="0"/>
+          <a:chOff x="0" y="0"/>
+          <a:chExt cx="0" cy="0"/>
+        </a:xfrm>
+      </p:grpSpPr>
+      <p:sp>
+        <p:nvSpPr>
+          <p:cNvPr id="2" name="Title 1">
+            <a:extLst>
+              <a:ext uri="{FF2B5EF4-FFF2-40B4-BE49-F238E27FC236}">
+                <a16:creationId xmlns:a16="http://schemas.microsoft.com/office/drawing/2014/main" id="{53E4ED39-262D-4F82-A476-65A0D10E25B0}"/>
+              </a:ext>
+            </a:extLst>
+          </p:cNvPr>
+          <p:cNvSpPr>
+            <a:spLocks noGrp="1"/>
+          </p:cNvSpPr>
+          <p:nvPr>
+            <p:ph type="title"/>
+          </p:nvPr>
+        </p:nvSpPr>
+        <p:spPr/>
+        <p:txBody>
+          <a:bodyPr/>
+          <a:lstStyle/>
+          <a:p>
+            <a:r>
+              <a:rPr lang="en-GB" dirty="0"/>
+              <a:t>Q+A?</a:t>
+            </a:r>
+          </a:p>
+        </p:txBody>
+      </p:sp>
+      <p:sp>
+        <p:nvSpPr>
+          <p:cNvPr id="7" name="Content Placeholder 6">
+            <a:extLst>
+              <a:ext uri="{FF2B5EF4-FFF2-40B4-BE49-F238E27FC236}">
+                <a16:creationId xmlns:a16="http://schemas.microsoft.com/office/drawing/2014/main" id="{56EB4450-205A-4CF1-99DC-4C902D9A12A8}"/>
+              </a:ext>
+            </a:extLst>
+          </p:cNvPr>
+          <p:cNvSpPr>
+            <a:spLocks noGrp="1"/>
+          </p:cNvSpPr>
+          <p:nvPr>
+            <p:ph idx="1"/>
+          </p:nvPr>
+        </p:nvSpPr>
+        <p:spPr/>
+        <p:txBody>
+          <a:bodyPr/>
+          <a:lstStyle/>
+          <a:p>
+            <a:endParaRPr lang="en-GB"/>
+          </a:p>
+        </p:txBody>
+      </p:sp>
+    </p:spTree>
+    <p:extLst>
+      <p:ext uri="{BB962C8B-B14F-4D97-AF65-F5344CB8AC3E}">
+        <p14:creationId xmlns:p14="http://schemas.microsoft.com/office/powerpoint/2010/main" val="677774041"/>
       </p:ext>
     </p:extLst>
   </p:cSld>
@@ -4121,7 +5357,7 @@
           <p:cNvPr id="2" name="Title 1">
             <a:extLst>
               <a:ext uri="{FF2B5EF4-FFF2-40B4-BE49-F238E27FC236}">
-                <a16:creationId xmlns:a16="http://schemas.microsoft.com/office/drawing/2014/main" id="{5D771B98-FF95-488C-B7CA-BD0402D41E00}"/>
+                <a16:creationId xmlns:a16="http://schemas.microsoft.com/office/drawing/2014/main" id="{EBE5CACE-DB4A-43C1-A9E3-0A8CEBFA1FB6}"/>
               </a:ext>
             </a:extLst>
           </p:cNvPr>
@@ -4139,81 +5375,26 @@
           <a:p>
             <a:r>
               <a:rPr lang="en-GB" dirty="0"/>
-              <a:t>Modelling this gives this kind of graph</a:t>
-            </a:r>
-          </a:p>
-        </p:txBody>
-      </p:sp>
-      <p:sp>
-        <p:nvSpPr>
-          <p:cNvPr id="3" name="Content Placeholder 2">
-            <a:extLst>
-              <a:ext uri="{FF2B5EF4-FFF2-40B4-BE49-F238E27FC236}">
-                <a16:creationId xmlns:a16="http://schemas.microsoft.com/office/drawing/2014/main" id="{75CA60B8-3679-4337-BEF8-E63E6FC86819}"/>
-              </a:ext>
-            </a:extLst>
-          </p:cNvPr>
-          <p:cNvSpPr>
-            <a:spLocks noGrp="1"/>
-          </p:cNvSpPr>
-          <p:nvPr>
-            <p:ph idx="1"/>
-          </p:nvPr>
-        </p:nvSpPr>
-        <p:spPr>
-          <a:xfrm>
-            <a:off x="838200" y="1825625"/>
-            <a:ext cx="5113421" cy="4351338"/>
-          </a:xfrm>
-        </p:spPr>
-        <p:txBody>
-          <a:bodyPr/>
-          <a:lstStyle/>
-          <a:p>
-            <a:r>
-              <a:rPr lang="en-GB" dirty="0"/>
-              <a:t>Is this wrong?</a:t>
-            </a:r>
-          </a:p>
-          <a:p>
-            <a:r>
-              <a:rPr lang="en-GB" dirty="0"/>
-              <a:t>Yes</a:t>
-            </a:r>
-          </a:p>
-          <a:p>
-            <a:r>
-              <a:rPr lang="en-GB" dirty="0"/>
-              <a:t>But then what factor in our assumptions is wrong</a:t>
-            </a:r>
-          </a:p>
-          <a:p>
-            <a:endParaRPr lang="en-GB" dirty="0"/>
-          </a:p>
-          <a:p>
-            <a:endParaRPr lang="en-GB" dirty="0"/>
-          </a:p>
-          <a:p>
-            <a:r>
-              <a:rPr lang="en-GB" dirty="0"/>
-              <a:t>Populations do not mix randomly constantly throughout the year!</a:t>
+              <a:t>Visually </a:t>
             </a:r>
           </a:p>
         </p:txBody>
       </p:sp>
       <p:pic>
         <p:nvPicPr>
-          <p:cNvPr id="5" name="Picture 4">
-            <a:extLst>
-              <a:ext uri="{FF2B5EF4-FFF2-40B4-BE49-F238E27FC236}">
-                <a16:creationId xmlns:a16="http://schemas.microsoft.com/office/drawing/2014/main" id="{49359FC5-C5B7-48B0-BA90-807D1FCA27DB}"/>
+          <p:cNvPr id="4" name="Content Placeholder 3">
+            <a:extLst>
+              <a:ext uri="{FF2B5EF4-FFF2-40B4-BE49-F238E27FC236}">
+                <a16:creationId xmlns:a16="http://schemas.microsoft.com/office/drawing/2014/main" id="{B79EE83B-2DAA-4594-8076-A8398C1E26E1}"/>
               </a:ext>
             </a:extLst>
           </p:cNvPr>
           <p:cNvPicPr>
-            <a:picLocks noChangeAspect="1"/>
+            <a:picLocks noGrp="1" noChangeAspect="1"/>
           </p:cNvPicPr>
-          <p:nvPr/>
+          <p:nvPr>
+            <p:ph idx="1"/>
+          </p:nvPr>
         </p:nvPicPr>
         <p:blipFill>
           <a:blip r:embed="rId2"/>
@@ -4223,8 +5404,8 @@
         </p:blipFill>
         <p:spPr>
           <a:xfrm>
-            <a:off x="6095999" y="1690688"/>
-            <a:ext cx="5771029" cy="4486275"/>
+            <a:off x="2971800" y="920982"/>
+            <a:ext cx="8599082" cy="5351482"/>
           </a:xfrm>
           <a:prstGeom prst="rect">
             <a:avLst/>
@@ -4234,7 +5415,7 @@
     </p:spTree>
     <p:extLst>
       <p:ext uri="{BB962C8B-B14F-4D97-AF65-F5344CB8AC3E}">
-        <p14:creationId xmlns:p14="http://schemas.microsoft.com/office/powerpoint/2010/main" val="1034591370"/>
+        <p14:creationId xmlns:p14="http://schemas.microsoft.com/office/powerpoint/2010/main" val="1628403200"/>
       </p:ext>
     </p:extLst>
   </p:cSld>
@@ -4318,6 +5499,15 @@
               <a:rPr lang="en-GB" dirty="0" err="1"/>
               <a:t>epimodel</a:t>
             </a:r>
+            <a:endParaRPr lang="en-GB" dirty="0"/>
+          </a:p>
+          <a:p>
+            <a:r>
+              <a:rPr lang="en-GB" dirty="0"/>
+              <a:t>Copy and paste the model code and we’ll go through the flows </a:t>
+            </a:r>
+          </a:p>
+          <a:p>
             <a:endParaRPr lang="en-GB" dirty="0"/>
           </a:p>
         </p:txBody>
@@ -4357,7 +5547,7 @@
           <p:cNvPr id="2" name="Title 1">
             <a:extLst>
               <a:ext uri="{FF2B5EF4-FFF2-40B4-BE49-F238E27FC236}">
-                <a16:creationId xmlns:a16="http://schemas.microsoft.com/office/drawing/2014/main" id="{CEEB10BC-FC3E-4089-9D15-0488AA48EE59}"/>
+                <a16:creationId xmlns:a16="http://schemas.microsoft.com/office/drawing/2014/main" id="{0DDA541E-4B93-40C3-84EB-8B4A341899B0}"/>
               </a:ext>
             </a:extLst>
           </p:cNvPr>
@@ -4375,7 +5565,7 @@
           <a:p>
             <a:r>
               <a:rPr lang="en-GB" dirty="0"/>
-              <a:t>Run with differing parameters</a:t>
+              <a:t>Further Model Developments</a:t>
             </a:r>
           </a:p>
         </p:txBody>
@@ -4385,7 +5575,7 @@
           <p:cNvPr id="3" name="Content Placeholder 2">
             <a:extLst>
               <a:ext uri="{FF2B5EF4-FFF2-40B4-BE49-F238E27FC236}">
-                <a16:creationId xmlns:a16="http://schemas.microsoft.com/office/drawing/2014/main" id="{54B408A8-C59A-453F-9FA6-EA4701DE04FA}"/>
+                <a16:creationId xmlns:a16="http://schemas.microsoft.com/office/drawing/2014/main" id="{DBE1AB33-78D4-456B-95D5-C9E8E016FD2E}"/>
               </a:ext>
             </a:extLst>
           </p:cNvPr>
@@ -4401,14 +5591,42 @@
           <a:bodyPr/>
           <a:lstStyle/>
           <a:p>
-            <a:endParaRPr lang="en-GB"/>
+            <a:r>
+              <a:rPr lang="en-GB" dirty="0"/>
+              <a:t>Next Generation Matrices for different beta values of social groups/age groups mixing, and their individual R values</a:t>
+            </a:r>
+          </a:p>
+          <a:p>
+            <a:r>
+              <a:rPr lang="en-GB" dirty="0"/>
+              <a:t>Monte Carlo simulation for stochastic iteration of models</a:t>
+            </a:r>
+          </a:p>
+          <a:p>
+            <a:pPr lvl="1"/>
+            <a:r>
+              <a:rPr lang="en-GB" dirty="0"/>
+              <a:t>Running the same thing lots of times with different parameters chosen from a distribution to see where the overall distribution of predictions are</a:t>
+            </a:r>
+          </a:p>
+          <a:p>
+            <a:r>
+              <a:rPr lang="en-GB" dirty="0"/>
+              <a:t>Machine learning applications</a:t>
+            </a:r>
+          </a:p>
+          <a:p>
+            <a:r>
+              <a:rPr lang="en-GB" dirty="0"/>
+              <a:t>Effect of public health interventions on transmission</a:t>
+            </a:r>
           </a:p>
         </p:txBody>
       </p:sp>
     </p:spTree>
     <p:extLst>
       <p:ext uri="{BB962C8B-B14F-4D97-AF65-F5344CB8AC3E}">
-        <p14:creationId xmlns:p14="http://schemas.microsoft.com/office/powerpoint/2010/main" val="199863788"/>
+        <p14:creationId xmlns:p14="http://schemas.microsoft.com/office/powerpoint/2010/main" val="3345645552"/>
       </p:ext>
     </p:extLst>
   </p:cSld>
@@ -4440,7 +5658,7 @@
           <p:cNvPr id="2" name="Title 1">
             <a:extLst>
               <a:ext uri="{FF2B5EF4-FFF2-40B4-BE49-F238E27FC236}">
-                <a16:creationId xmlns:a16="http://schemas.microsoft.com/office/drawing/2014/main" id="{DF89F6C2-9427-4DE4-BB7C-E9F019EAC1C7}"/>
+                <a16:creationId xmlns:a16="http://schemas.microsoft.com/office/drawing/2014/main" id="{BC095D84-EACD-4A39-8C95-4D2EA54B8AAC}"/>
               </a:ext>
             </a:extLst>
           </p:cNvPr>
@@ -4458,7 +5676,7 @@
           <a:p>
             <a:r>
               <a:rPr lang="en-GB" dirty="0"/>
-              <a:t>Run a stochastic model</a:t>
+              <a:t>Infectious Disease Eradication</a:t>
             </a:r>
           </a:p>
         </p:txBody>
@@ -4468,7 +5686,7 @@
           <p:cNvPr id="3" name="Content Placeholder 2">
             <a:extLst>
               <a:ext uri="{FF2B5EF4-FFF2-40B4-BE49-F238E27FC236}">
-                <a16:creationId xmlns:a16="http://schemas.microsoft.com/office/drawing/2014/main" id="{A2E9FB05-93F8-4945-8BE3-13795693313B}"/>
+                <a16:creationId xmlns:a16="http://schemas.microsoft.com/office/drawing/2014/main" id="{3B6D3960-989E-44C8-ABCB-BF894860292D}"/>
               </a:ext>
             </a:extLst>
           </p:cNvPr>
@@ -4481,17 +5699,97 @@
         </p:nvSpPr>
         <p:spPr/>
         <p:txBody>
-          <a:bodyPr/>
-          <a:lstStyle/>
-          <a:p>
-            <a:endParaRPr lang="en-GB"/>
+          <a:bodyPr>
+            <a:normAutofit fontScale="92500" lnSpcReduction="10000"/>
+          </a:bodyPr>
+          <a:lstStyle/>
+          <a:p>
+            <a:r>
+              <a:rPr lang="en-GB" dirty="0"/>
+              <a:t>Epidemiological</a:t>
+            </a:r>
+          </a:p>
+          <a:p>
+            <a:pPr lvl="1"/>
+            <a:r>
+              <a:rPr lang="en-GB" dirty="0"/>
+              <a:t>1. Absence of non-human reservoir</a:t>
+            </a:r>
+          </a:p>
+          <a:p>
+            <a:pPr lvl="1"/>
+            <a:r>
+              <a:rPr lang="en-GB" dirty="0"/>
+              <a:t>2. Ease of recognition / diagnosis</a:t>
+            </a:r>
+          </a:p>
+          <a:p>
+            <a:pPr lvl="1"/>
+            <a:r>
+              <a:rPr lang="en-GB" dirty="0"/>
+              <a:t>3. Durability of immunity post infection / vaccination</a:t>
+            </a:r>
+          </a:p>
+          <a:p>
+            <a:pPr lvl="1"/>
+            <a:r>
+              <a:rPr lang="en-GB" dirty="0"/>
+              <a:t>4. Low transmissibility</a:t>
+            </a:r>
+          </a:p>
+          <a:p>
+            <a:r>
+              <a:rPr lang="en-GB" dirty="0"/>
+              <a:t>Practical feasibility</a:t>
+            </a:r>
+          </a:p>
+          <a:p>
+            <a:pPr lvl="1"/>
+            <a:r>
+              <a:rPr lang="en-GB" dirty="0"/>
+              <a:t>5. Availability of effective and practical intervention</a:t>
+            </a:r>
+          </a:p>
+          <a:p>
+            <a:pPr lvl="1"/>
+            <a:r>
+              <a:rPr lang="en-GB" dirty="0"/>
+              <a:t>6. Evidence of local / regional success</a:t>
+            </a:r>
+          </a:p>
+          <a:p>
+            <a:r>
+              <a:rPr lang="en-GB" dirty="0"/>
+              <a:t>Political + popular support</a:t>
+            </a:r>
+          </a:p>
+          <a:p>
+            <a:pPr lvl="1"/>
+            <a:r>
+              <a:rPr lang="en-GB" dirty="0"/>
+              <a:t>7. Perceived burden &gt; estimated cost of eradication</a:t>
+            </a:r>
+          </a:p>
+          <a:p>
+            <a:pPr lvl="1"/>
+            <a:r>
+              <a:rPr lang="en-GB" dirty="0"/>
+              <a:t>8. Implications for other interventions</a:t>
+            </a:r>
+          </a:p>
+          <a:p>
+            <a:pPr lvl="1"/>
+            <a:r>
+              <a:rPr lang="en-GB" dirty="0"/>
+              <a:t>9. Political will</a:t>
+            </a:r>
           </a:p>
         </p:txBody>
       </p:sp>
     </p:spTree>
     <p:extLst>
       <p:ext uri="{BB962C8B-B14F-4D97-AF65-F5344CB8AC3E}">
-        <p14:creationId xmlns:p14="http://schemas.microsoft.com/office/powerpoint/2010/main" val="361541373"/>
+        <p14:creationId xmlns:p14="http://schemas.microsoft.com/office/powerpoint/2010/main" val="1408494584"/>
       </p:ext>
     </p:extLst>
   </p:cSld>
@@ -4523,7 +5821,7 @@
           <p:cNvPr id="2" name="Title 1">
             <a:extLst>
               <a:ext uri="{FF2B5EF4-FFF2-40B4-BE49-F238E27FC236}">
-                <a16:creationId xmlns:a16="http://schemas.microsoft.com/office/drawing/2014/main" id="{787A2075-DE1F-47C2-903B-EFF79918B998}"/>
+                <a16:creationId xmlns:a16="http://schemas.microsoft.com/office/drawing/2014/main" id="{DECEC286-7F35-4E23-9E7F-FDE16BE84251}"/>
               </a:ext>
             </a:extLst>
           </p:cNvPr>
@@ -4541,7 +5839,7 @@
           <a:p>
             <a:r>
               <a:rPr lang="en-GB" dirty="0"/>
-              <a:t>WAIFW and NG Matrices</a:t>
+              <a:t>Herd Immunity – difficult questions</a:t>
             </a:r>
           </a:p>
         </p:txBody>
@@ -4551,7 +5849,7 @@
           <p:cNvPr id="3" name="Content Placeholder 2">
             <a:extLst>
               <a:ext uri="{FF2B5EF4-FFF2-40B4-BE49-F238E27FC236}">
-                <a16:creationId xmlns:a16="http://schemas.microsoft.com/office/drawing/2014/main" id="{493ABB3A-0C74-4CC1-849E-6CB99E568CB4}"/>
+                <a16:creationId xmlns:a16="http://schemas.microsoft.com/office/drawing/2014/main" id="{2B596291-7248-4731-BACA-5660639F8BAA}"/>
               </a:ext>
             </a:extLst>
           </p:cNvPr>
@@ -4564,17 +5862,73 @@
         </p:nvSpPr>
         <p:spPr/>
         <p:txBody>
-          <a:bodyPr/>
-          <a:lstStyle/>
-          <a:p>
-            <a:endParaRPr lang="en-GB"/>
+          <a:bodyPr>
+            <a:normAutofit fontScale="92500" lnSpcReduction="10000"/>
+          </a:bodyPr>
+          <a:lstStyle/>
+          <a:p>
+            <a:r>
+              <a:rPr lang="en-GB" dirty="0"/>
+              <a:t>We’ve heard this talked about a lot with COVID, but the definition comes from modelling the spread of an infectious disease</a:t>
+            </a:r>
+          </a:p>
+          <a:p>
+            <a:r>
+              <a:rPr lang="en-GB" dirty="0"/>
+              <a:t>Once a disease is endemic in a population and no longer growing the R0 = Rn/</a:t>
+            </a:r>
+            <a:r>
+              <a:rPr lang="en-GB" dirty="0" err="1"/>
+              <a:t>prop_susceptible</a:t>
+            </a:r>
+            <a:r>
+              <a:rPr lang="en-GB" dirty="0"/>
+              <a:t> with the Rn being about 1</a:t>
+            </a:r>
+          </a:p>
+          <a:p>
+            <a:r>
+              <a:rPr lang="en-GB" dirty="0"/>
+              <a:t>Therefore to stop spread of a disease </a:t>
+            </a:r>
+            <a:r>
+              <a:rPr lang="en-GB" dirty="0" err="1"/>
+              <a:t>prop_susceptible</a:t>
+            </a:r>
+            <a:r>
+              <a:rPr lang="en-GB" dirty="0"/>
+              <a:t> has to be less than 1/r0, and the </a:t>
+            </a:r>
+            <a:r>
+              <a:rPr lang="en-GB" dirty="0" err="1"/>
+              <a:t>prop_vaccinated</a:t>
+            </a:r>
+            <a:r>
+              <a:rPr lang="en-GB" dirty="0"/>
+              <a:t> needs to be 1-1/R0</a:t>
+            </a:r>
+          </a:p>
+          <a:p>
+            <a:r>
+              <a:rPr lang="en-GB" dirty="0"/>
+              <a:t>You have to also consider natural immunity from disease recovery, and the % of that which are actually lifelong immune</a:t>
+            </a:r>
+          </a:p>
+          <a:p>
+            <a:r>
+              <a:rPr lang="en-GB" dirty="0"/>
+              <a:t>And also vaccine efficacy, not just protecting against disease development but also against infectiousness/asymptomatic spreading and infection itself (these aren’t always the same)</a:t>
+            </a:r>
+          </a:p>
+          <a:p>
+            <a:endParaRPr lang="en-GB" dirty="0"/>
           </a:p>
         </p:txBody>
       </p:sp>
     </p:spTree>
     <p:extLst>
       <p:ext uri="{BB962C8B-B14F-4D97-AF65-F5344CB8AC3E}">
-        <p14:creationId xmlns:p14="http://schemas.microsoft.com/office/powerpoint/2010/main" val="2780414041"/>
+        <p14:creationId xmlns:p14="http://schemas.microsoft.com/office/powerpoint/2010/main" val="665973161"/>
       </p:ext>
     </p:extLst>
   </p:cSld>
